--- a/Gestión de datos js.pptx
+++ b/Gestión de datos js.pptx
@@ -109,6 +109,11 @@
       </a:defRPr>
     </a:lvl9pPr>
   </p:defaultTextStyle>
+  <p:extLst>
+    <p:ext uri="{EFAFB233-063F-42B5-8137-9DF3F51BA10A}">
+      <p15:sldGuideLst xmlns:p15="http://schemas.microsoft.com/office/powerpoint/2012/main"/>
+    </p:ext>
+  </p:extLst>
 </p:presentation>
 </file>
 
@@ -326,7 +331,7 @@
             <a:fld id="{B61BEF0D-F0BB-DE4B-95CE-6DB70DBA9567}" type="datetimeFigureOut">
               <a:rPr lang="en-US" dirty="0"/>
               <a:pPr/>
-              <a:t>9/21/2021</a:t>
+              <a:t>9/22/2021</a:t>
             </a:fld>
             <a:endParaRPr lang="en-US" dirty="0"/>
           </a:p>
@@ -614,7 +619,7 @@
             <a:fld id="{B61BEF0D-F0BB-DE4B-95CE-6DB70DBA9567}" type="datetimeFigureOut">
               <a:rPr lang="en-US" dirty="0"/>
               <a:pPr/>
-              <a:t>9/21/2021</a:t>
+              <a:t>9/22/2021</a:t>
             </a:fld>
             <a:endParaRPr lang="en-US" dirty="0"/>
           </a:p>
@@ -870,7 +875,7 @@
             <a:fld id="{B61BEF0D-F0BB-DE4B-95CE-6DB70DBA9567}" type="datetimeFigureOut">
               <a:rPr lang="en-US" dirty="0"/>
               <a:pPr/>
-              <a:t>9/21/2021</a:t>
+              <a:t>9/22/2021</a:t>
             </a:fld>
             <a:endParaRPr lang="en-US" dirty="0"/>
           </a:p>
@@ -1336,7 +1341,7 @@
             <a:fld id="{B61BEF0D-F0BB-DE4B-95CE-6DB70DBA9567}" type="datetimeFigureOut">
               <a:rPr lang="en-US" dirty="0"/>
               <a:pPr/>
-              <a:t>9/21/2021</a:t>
+              <a:t>9/22/2021</a:t>
             </a:fld>
             <a:endParaRPr lang="en-US" dirty="0"/>
           </a:p>
@@ -1513,7 +1518,7 @@
             <a:fld id="{B61BEF0D-F0BB-DE4B-95CE-6DB70DBA9567}" type="datetimeFigureOut">
               <a:rPr lang="en-US" dirty="0"/>
               <a:pPr/>
-              <a:t>9/21/2021</a:t>
+              <a:t>9/22/2021</a:t>
             </a:fld>
             <a:endParaRPr lang="en-US" dirty="0"/>
           </a:p>
@@ -2086,7 +2091,7 @@
             <a:fld id="{B61BEF0D-F0BB-DE4B-95CE-6DB70DBA9567}" type="datetimeFigureOut">
               <a:rPr lang="en-US" dirty="0"/>
               <a:pPr/>
-              <a:t>9/21/2021</a:t>
+              <a:t>9/22/2021</a:t>
             </a:fld>
             <a:endParaRPr lang="en-US" dirty="0"/>
           </a:p>
@@ -2415,7 +2420,7 @@
             <a:fld id="{B61BEF0D-F0BB-DE4B-95CE-6DB70DBA9567}" type="datetimeFigureOut">
               <a:rPr lang="en-US" dirty="0"/>
               <a:pPr/>
-              <a:t>9/21/2021</a:t>
+              <a:t>9/22/2021</a:t>
             </a:fld>
             <a:endParaRPr lang="en-US" dirty="0"/>
           </a:p>
@@ -2587,7 +2592,7 @@
             <a:fld id="{B61BEF0D-F0BB-DE4B-95CE-6DB70DBA9567}" type="datetimeFigureOut">
               <a:rPr lang="en-US" dirty="0"/>
               <a:pPr/>
-              <a:t>9/21/2021</a:t>
+              <a:t>9/22/2021</a:t>
             </a:fld>
             <a:endParaRPr lang="en-US" dirty="0"/>
           </a:p>
@@ -2764,7 +2769,7 @@
             <a:fld id="{B61BEF0D-F0BB-DE4B-95CE-6DB70DBA9567}" type="datetimeFigureOut">
               <a:rPr lang="en-US" dirty="0"/>
               <a:pPr/>
-              <a:t>9/21/2021</a:t>
+              <a:t>9/22/2021</a:t>
             </a:fld>
             <a:endParaRPr lang="en-US" dirty="0"/>
           </a:p>
@@ -2931,7 +2936,7 @@
             <a:fld id="{B61BEF0D-F0BB-DE4B-95CE-6DB70DBA9567}" type="datetimeFigureOut">
               <a:rPr lang="en-US" dirty="0"/>
               <a:pPr/>
-              <a:t>9/21/2021</a:t>
+              <a:t>9/22/2021</a:t>
             </a:fld>
             <a:endParaRPr lang="en-US" dirty="0"/>
           </a:p>
@@ -3185,7 +3190,7 @@
             <a:fld id="{B61BEF0D-F0BB-DE4B-95CE-6DB70DBA9567}" type="datetimeFigureOut">
               <a:rPr lang="en-US" dirty="0"/>
               <a:pPr/>
-              <a:t>9/21/2021</a:t>
+              <a:t>9/22/2021</a:t>
             </a:fld>
             <a:endParaRPr lang="en-US" dirty="0"/>
           </a:p>
@@ -3474,7 +3479,7 @@
             <a:fld id="{B61BEF0D-F0BB-DE4B-95CE-6DB70DBA9567}" type="datetimeFigureOut">
               <a:rPr lang="en-US" dirty="0"/>
               <a:pPr/>
-              <a:t>9/21/2021</a:t>
+              <a:t>9/22/2021</a:t>
             </a:fld>
             <a:endParaRPr lang="en-US" dirty="0"/>
           </a:p>
@@ -3901,7 +3906,7 @@
             <a:fld id="{B61BEF0D-F0BB-DE4B-95CE-6DB70DBA9567}" type="datetimeFigureOut">
               <a:rPr lang="en-US" dirty="0"/>
               <a:pPr/>
-              <a:t>9/21/2021</a:t>
+              <a:t>9/22/2021</a:t>
             </a:fld>
             <a:endParaRPr lang="en-US" dirty="0"/>
           </a:p>
@@ -4016,7 +4021,7 @@
             <a:fld id="{B61BEF0D-F0BB-DE4B-95CE-6DB70DBA9567}" type="datetimeFigureOut">
               <a:rPr lang="en-US" dirty="0"/>
               <a:pPr/>
-              <a:t>9/21/2021</a:t>
+              <a:t>9/22/2021</a:t>
             </a:fld>
             <a:endParaRPr lang="en-US" dirty="0"/>
           </a:p>
@@ -4108,7 +4113,7 @@
             <a:fld id="{B61BEF0D-F0BB-DE4B-95CE-6DB70DBA9567}" type="datetimeFigureOut">
               <a:rPr lang="en-US" dirty="0"/>
               <a:pPr/>
-              <a:t>9/21/2021</a:t>
+              <a:t>9/22/2021</a:t>
             </a:fld>
             <a:endParaRPr lang="en-US" dirty="0"/>
           </a:p>
@@ -4388,7 +4393,7 @@
             <a:fld id="{B61BEF0D-F0BB-DE4B-95CE-6DB70DBA9567}" type="datetimeFigureOut">
               <a:rPr lang="en-US" dirty="0"/>
               <a:pPr/>
-              <a:t>9/21/2021</a:t>
+              <a:t>9/22/2021</a:t>
             </a:fld>
             <a:endParaRPr lang="en-US" dirty="0"/>
           </a:p>
@@ -4676,7 +4681,7 @@
             <a:fld id="{B61BEF0D-F0BB-DE4B-95CE-6DB70DBA9567}" type="datetimeFigureOut">
               <a:rPr lang="en-US" dirty="0"/>
               <a:pPr/>
-              <a:t>9/21/2021</a:t>
+              <a:t>9/22/2021</a:t>
             </a:fld>
             <a:endParaRPr lang="en-US" dirty="0"/>
           </a:p>
@@ -4904,7 +4909,7 @@
             <a:fld id="{B61BEF0D-F0BB-DE4B-95CE-6DB70DBA9567}" type="datetimeFigureOut">
               <a:rPr lang="en-US" dirty="0"/>
               <a:pPr/>
-              <a:t>9/21/2021</a:t>
+              <a:t>9/22/2021</a:t>
             </a:fld>
             <a:endParaRPr lang="en-US" dirty="0"/>
           </a:p>
@@ -6751,7 +6756,15 @@
           <a:p>
             <a:r>
               <a:rPr lang="es-ES" dirty="0"/>
-              <a:t>Use el interruptor para especificar muchos bloques de código alternativos que se ejecutarán</a:t>
+              <a:t>Use </a:t>
+            </a:r>
+            <a:r>
+              <a:rPr lang="es-ES"/>
+              <a:t>el SWITCH </a:t>
+            </a:r>
+            <a:r>
+              <a:rPr lang="es-ES" dirty="0"/>
+              <a:t>para especificar muchos bloques de código alternativos que se ejecutarán</a:t>
             </a:r>
             <a:endParaRPr lang="es-CO" dirty="0"/>
           </a:p>
